--- a/Slide shows from symposia and network introduction/Tour de Statistics Denmark.pptx
+++ b/Slide shows from symposia and network introduction/Tour de Statistics Denmark.pptx
@@ -222,7 +222,7 @@
           <a:p>
             <a:fld id="{83B640A6-C38C-488A-A449-54C0A3A97F79}" type="datetimeFigureOut">
               <a:rPr lang="da-DK" smtClean="0"/>
-              <a:t>19-03-2025</a:t>
+              <a:t>03-04-2025</a:t>
             </a:fld>
             <a:endParaRPr lang="da-DK"/>
           </a:p>
@@ -400,7 +400,7 @@
           <a:p>
             <a:fld id="{9D5BB573-0947-48F7-AE45-83035B30D507}" type="datetimeFigureOut">
               <a:rPr lang="da-DK" smtClean="0"/>
-              <a:t>19-03-2025</a:t>
+              <a:t>03-04-2025</a:t>
             </a:fld>
             <a:endParaRPr lang="da-DK"/>
           </a:p>
@@ -859,7 +859,7 @@
           <a:p>
             <a:fld id="{B978D3C3-60FF-4B46-AF7B-72A3B1CFD863}" type="datetimeFigureOut">
               <a:rPr lang="da-DK" smtClean="0"/>
-              <a:t>19-03-2025</a:t>
+              <a:t>03-04-2025</a:t>
             </a:fld>
             <a:endParaRPr lang="da-DK"/>
           </a:p>
@@ -1295,7 +1295,7 @@
           <a:p>
             <a:fld id="{B978D3C3-60FF-4B46-AF7B-72A3B1CFD863}" type="datetimeFigureOut">
               <a:rPr lang="da-DK" smtClean="0"/>
-              <a:t>19-03-2025</a:t>
+              <a:t>03-04-2025</a:t>
             </a:fld>
             <a:endParaRPr lang="da-DK"/>
           </a:p>
@@ -1545,7 +1545,7 @@
           <a:p>
             <a:fld id="{B978D3C3-60FF-4B46-AF7B-72A3B1CFD863}" type="datetimeFigureOut">
               <a:rPr lang="da-DK" smtClean="0"/>
-              <a:t>19-03-2025</a:t>
+              <a:t>03-04-2025</a:t>
             </a:fld>
             <a:endParaRPr lang="da-DK"/>
           </a:p>
@@ -1853,7 +1853,7 @@
           <a:p>
             <a:fld id="{B978D3C3-60FF-4B46-AF7B-72A3B1CFD863}" type="datetimeFigureOut">
               <a:rPr lang="da-DK" smtClean="0"/>
-              <a:t>19-03-2025</a:t>
+              <a:t>03-04-2025</a:t>
             </a:fld>
             <a:endParaRPr lang="da-DK"/>
           </a:p>
@@ -2171,7 +2171,7 @@
           <a:p>
             <a:fld id="{B978D3C3-60FF-4B46-AF7B-72A3B1CFD863}" type="datetimeFigureOut">
               <a:rPr lang="da-DK" smtClean="0"/>
-              <a:t>19-03-2025</a:t>
+              <a:t>03-04-2025</a:t>
             </a:fld>
             <a:endParaRPr lang="da-DK"/>
           </a:p>
@@ -2473,7 +2473,7 @@
           <a:p>
             <a:fld id="{B978D3C3-60FF-4B46-AF7B-72A3B1CFD863}" type="datetimeFigureOut">
               <a:rPr lang="da-DK" smtClean="0"/>
-              <a:t>19-03-2025</a:t>
+              <a:t>03-04-2025</a:t>
             </a:fld>
             <a:endParaRPr lang="da-DK"/>
           </a:p>
@@ -2840,7 +2840,7 @@
           <a:p>
             <a:fld id="{B978D3C3-60FF-4B46-AF7B-72A3B1CFD863}" type="datetimeFigureOut">
               <a:rPr lang="da-DK" smtClean="0"/>
-              <a:t>19-03-2025</a:t>
+              <a:t>03-04-2025</a:t>
             </a:fld>
             <a:endParaRPr lang="da-DK"/>
           </a:p>
@@ -3014,7 +3014,7 @@
           <a:p>
             <a:fld id="{B978D3C3-60FF-4B46-AF7B-72A3B1CFD863}" type="datetimeFigureOut">
               <a:rPr lang="da-DK" smtClean="0"/>
-              <a:t>19-03-2025</a:t>
+              <a:t>03-04-2025</a:t>
             </a:fld>
             <a:endParaRPr lang="da-DK"/>
           </a:p>
@@ -3194,7 +3194,7 @@
           <a:p>
             <a:fld id="{B978D3C3-60FF-4B46-AF7B-72A3B1CFD863}" type="datetimeFigureOut">
               <a:rPr lang="da-DK" smtClean="0"/>
-              <a:t>19-03-2025</a:t>
+              <a:t>03-04-2025</a:t>
             </a:fld>
             <a:endParaRPr lang="da-DK"/>
           </a:p>
@@ -3364,7 +3364,7 @@
           <a:p>
             <a:fld id="{B978D3C3-60FF-4B46-AF7B-72A3B1CFD863}" type="datetimeFigureOut">
               <a:rPr lang="da-DK" smtClean="0"/>
-              <a:t>19-03-2025</a:t>
+              <a:t>03-04-2025</a:t>
             </a:fld>
             <a:endParaRPr lang="da-DK"/>
           </a:p>
@@ -3614,7 +3614,7 @@
           <a:p>
             <a:fld id="{B978D3C3-60FF-4B46-AF7B-72A3B1CFD863}" type="datetimeFigureOut">
               <a:rPr lang="da-DK" smtClean="0"/>
-              <a:t>19-03-2025</a:t>
+              <a:t>03-04-2025</a:t>
             </a:fld>
             <a:endParaRPr lang="da-DK"/>
           </a:p>
@@ -3850,7 +3850,7 @@
           <a:p>
             <a:fld id="{B978D3C3-60FF-4B46-AF7B-72A3B1CFD863}" type="datetimeFigureOut">
               <a:rPr lang="da-DK" smtClean="0"/>
-              <a:t>19-03-2025</a:t>
+              <a:t>03-04-2025</a:t>
             </a:fld>
             <a:endParaRPr lang="da-DK"/>
           </a:p>
@@ -4232,7 +4232,7 @@
           <a:p>
             <a:fld id="{B978D3C3-60FF-4B46-AF7B-72A3B1CFD863}" type="datetimeFigureOut">
               <a:rPr lang="da-DK" smtClean="0"/>
-              <a:t>19-03-2025</a:t>
+              <a:t>03-04-2025</a:t>
             </a:fld>
             <a:endParaRPr lang="da-DK"/>
           </a:p>
@@ -4350,7 +4350,7 @@
           <a:p>
             <a:fld id="{B978D3C3-60FF-4B46-AF7B-72A3B1CFD863}" type="datetimeFigureOut">
               <a:rPr lang="da-DK" smtClean="0"/>
-              <a:t>19-03-2025</a:t>
+              <a:t>03-04-2025</a:t>
             </a:fld>
             <a:endParaRPr lang="da-DK"/>
           </a:p>
@@ -4445,7 +4445,7 @@
           <a:p>
             <a:fld id="{B978D3C3-60FF-4B46-AF7B-72A3B1CFD863}" type="datetimeFigureOut">
               <a:rPr lang="da-DK" smtClean="0"/>
-              <a:t>19-03-2025</a:t>
+              <a:t>03-04-2025</a:t>
             </a:fld>
             <a:endParaRPr lang="da-DK"/>
           </a:p>
@@ -4700,7 +4700,7 @@
           <a:p>
             <a:fld id="{B978D3C3-60FF-4B46-AF7B-72A3B1CFD863}" type="datetimeFigureOut">
               <a:rPr lang="da-DK" smtClean="0"/>
-              <a:t>19-03-2025</a:t>
+              <a:t>03-04-2025</a:t>
             </a:fld>
             <a:endParaRPr lang="da-DK"/>
           </a:p>
@@ -4983,7 +4983,7 @@
           <a:p>
             <a:fld id="{B978D3C3-60FF-4B46-AF7B-72A3B1CFD863}" type="datetimeFigureOut">
               <a:rPr lang="da-DK" smtClean="0"/>
-              <a:t>19-03-2025</a:t>
+              <a:t>03-04-2025</a:t>
             </a:fld>
             <a:endParaRPr lang="da-DK"/>
           </a:p>
@@ -5389,7 +5389,7 @@
           <a:p>
             <a:fld id="{B978D3C3-60FF-4B46-AF7B-72A3B1CFD863}" type="datetimeFigureOut">
               <a:rPr lang="da-DK" smtClean="0"/>
-              <a:t>19-03-2025</a:t>
+              <a:t>03-04-2025</a:t>
             </a:fld>
             <a:endParaRPr lang="da-DK"/>
           </a:p>
@@ -7875,7 +7875,7 @@
                   <a:schemeClr val="bg1"/>
                 </a:solidFill>
               </a:rPr>
-              <a:t>GitHub and Demo</a:t>
+              <a:t>Demo of Heart.dk</a:t>
             </a:r>
           </a:p>
           <a:p>
@@ -7895,7 +7895,7 @@
                   <a:schemeClr val="bg1"/>
                 </a:solidFill>
               </a:rPr>
-              <a:t>Project Folder Demo</a:t>
+              <a:t>Demo of a Project Folder</a:t>
             </a:r>
           </a:p>
           <a:p>
@@ -9562,7 +9562,7 @@
                   <a:schemeClr val="bg1"/>
                 </a:solidFill>
               </a:rPr>
-              <a:t>GitHub</a:t>
+              <a:t>Demo of Heart.dk</a:t>
             </a:r>
           </a:p>
         </p:txBody>
@@ -11499,32 +11499,6 @@
               <a:t> registries </a:t>
             </a:r>
           </a:p>
-          <a:p>
-            <a:r>
-              <a:rPr lang="da-DK" sz="2200" dirty="0">
-                <a:solidFill>
-                  <a:schemeClr val="bg1"/>
-                </a:solidFill>
-              </a:rPr>
-              <a:t>Health- vs. </a:t>
-            </a:r>
-            <a:r>
-              <a:rPr lang="en-US" sz="2200" dirty="0">
-                <a:solidFill>
-                  <a:schemeClr val="bg1"/>
-                </a:solidFill>
-              </a:rPr>
-              <a:t>social registries </a:t>
-            </a:r>
-            <a:r>
-              <a:rPr lang="en-US" sz="2200" dirty="0"/>
-              <a:t> </a:t>
-            </a:r>
-            <a:r>
-              <a:rPr lang="da-DK" sz="2200" dirty="0"/>
-              <a:t> </a:t>
-            </a:r>
-          </a:p>
         </p:txBody>
       </p:sp>
       <p:pic>
@@ -11555,7 +11529,7 @@
         </p:blipFill>
         <p:spPr>
           <a:xfrm>
-            <a:off x="1746426" y="3739012"/>
+            <a:off x="1746426" y="3516586"/>
             <a:ext cx="4195386" cy="2393521"/>
           </a:xfrm>
           <a:prstGeom prst="rect">
@@ -15531,7 +15505,7 @@
                   <a:schemeClr val="bg1"/>
                 </a:solidFill>
               </a:rPr>
-              <a:t>Project Folder Demo </a:t>
+              <a:t>Demo of a Project Folder </a:t>
             </a:r>
           </a:p>
         </p:txBody>
